--- a/ppt 16-9/0549.再给我一个机.pptx
+++ b/ppt 16-9/0549.再给我一个机.pptx
@@ -129,7 +129,7 @@
           <p:cNvPr id="2" name="标题 1">
             <a:extLst>
               <a:ext uri="{FF2B5EF4-FFF2-40B4-BE49-F238E27FC236}">
-                <a16:creationId xmlns:a16="http://schemas.microsoft.com/office/drawing/2014/main" id="{1B6282D1-7400-9AB4-DEB8-64167B4B44C2}"/>
+                <a16:creationId xmlns:a16="http://schemas.microsoft.com/office/drawing/2014/main" id="{28E1D1CC-2D74-6A8F-650D-211B7C577739}"/>
               </a:ext>
             </a:extLst>
           </p:cNvPr>
@@ -166,7 +166,7 @@
           <p:cNvPr id="3" name="副标题 2">
             <a:extLst>
               <a:ext uri="{FF2B5EF4-FFF2-40B4-BE49-F238E27FC236}">
-                <a16:creationId xmlns:a16="http://schemas.microsoft.com/office/drawing/2014/main" id="{354AF82C-75A6-72AA-FAC8-003EFD0BBB68}"/>
+                <a16:creationId xmlns:a16="http://schemas.microsoft.com/office/drawing/2014/main" id="{B7DF006E-D258-53D6-3D04-A1931ED5EDFE}"/>
               </a:ext>
             </a:extLst>
           </p:cNvPr>
@@ -236,7 +236,7 @@
           <p:cNvPr id="4" name="日期占位符 3">
             <a:extLst>
               <a:ext uri="{FF2B5EF4-FFF2-40B4-BE49-F238E27FC236}">
-                <a16:creationId xmlns:a16="http://schemas.microsoft.com/office/drawing/2014/main" id="{9929D5D5-E111-9047-1021-7E238D3FC857}"/>
+                <a16:creationId xmlns:a16="http://schemas.microsoft.com/office/drawing/2014/main" id="{93176FD4-8D6B-D536-B23C-B9EF1E2DB2F2}"/>
               </a:ext>
             </a:extLst>
           </p:cNvPr>
@@ -252,7 +252,7 @@
           <a:bodyPr/>
           <a:lstStyle/>
           <a:p>
-            <a:fld id="{2A1CCC0E-342C-421F-8D05-2C7F04C02B5B}" type="datetimeFigureOut">
+            <a:fld id="{ED87AD6A-A062-47B0-8B6D-C0F3EE461C05}" type="datetimeFigureOut">
               <a:rPr lang="zh-CN" altLang="en-US" smtClean="0"/>
               <a:t>2024/3/10</a:t>
             </a:fld>
@@ -265,7 +265,7 @@
           <p:cNvPr id="5" name="页脚占位符 4">
             <a:extLst>
               <a:ext uri="{FF2B5EF4-FFF2-40B4-BE49-F238E27FC236}">
-                <a16:creationId xmlns:a16="http://schemas.microsoft.com/office/drawing/2014/main" id="{AC4E8C93-79E8-42C3-5B25-E62B41B20267}"/>
+                <a16:creationId xmlns:a16="http://schemas.microsoft.com/office/drawing/2014/main" id="{E281BCCC-BDEA-30C4-0246-3B76E0ECE240}"/>
               </a:ext>
             </a:extLst>
           </p:cNvPr>
@@ -290,7 +290,7 @@
           <p:cNvPr id="6" name="灯片编号占位符 5">
             <a:extLst>
               <a:ext uri="{FF2B5EF4-FFF2-40B4-BE49-F238E27FC236}">
-                <a16:creationId xmlns:a16="http://schemas.microsoft.com/office/drawing/2014/main" id="{BB346568-70AD-75CC-CADC-4785A58DCC77}"/>
+                <a16:creationId xmlns:a16="http://schemas.microsoft.com/office/drawing/2014/main" id="{0569B403-E582-1991-269C-D472815735B0}"/>
               </a:ext>
             </a:extLst>
           </p:cNvPr>
@@ -306,7 +306,7 @@
           <a:bodyPr/>
           <a:lstStyle/>
           <a:p>
-            <a:fld id="{84162F5B-89FC-4680-A0A1-FB39FC0259C7}" type="slidenum">
+            <a:fld id="{E8192561-7359-4F99-85FF-CBD5FE5D12F3}" type="slidenum">
               <a:rPr lang="zh-CN" altLang="en-US" smtClean="0"/>
               <a:t>‹#›</a:t>
             </a:fld>
@@ -317,7 +317,7 @@
     </p:spTree>
     <p:extLst>
       <p:ext uri="{BB962C8B-B14F-4D97-AF65-F5344CB8AC3E}">
-        <p14:creationId xmlns:p14="http://schemas.microsoft.com/office/powerpoint/2010/main" val="34858378"/>
+        <p14:creationId xmlns:p14="http://schemas.microsoft.com/office/powerpoint/2010/main" val="1576304152"/>
       </p:ext>
     </p:extLst>
   </p:cSld>
@@ -349,7 +349,7 @@
           <p:cNvPr id="2" name="标题 1">
             <a:extLst>
               <a:ext uri="{FF2B5EF4-FFF2-40B4-BE49-F238E27FC236}">
-                <a16:creationId xmlns:a16="http://schemas.microsoft.com/office/drawing/2014/main" id="{EDE66336-9B9D-342D-4541-F596DE85DB2B}"/>
+                <a16:creationId xmlns:a16="http://schemas.microsoft.com/office/drawing/2014/main" id="{B85181F9-6187-B6FC-BC21-BD9381499D54}"/>
               </a:ext>
             </a:extLst>
           </p:cNvPr>
@@ -377,7 +377,7 @@
           <p:cNvPr id="3" name="竖排文字占位符 2">
             <a:extLst>
               <a:ext uri="{FF2B5EF4-FFF2-40B4-BE49-F238E27FC236}">
-                <a16:creationId xmlns:a16="http://schemas.microsoft.com/office/drawing/2014/main" id="{34523DA2-D227-E652-4B04-A01685F3211B}"/>
+                <a16:creationId xmlns:a16="http://schemas.microsoft.com/office/drawing/2014/main" id="{4E7BB05E-A352-8D14-9CF7-FDD117E45399}"/>
               </a:ext>
             </a:extLst>
           </p:cNvPr>
@@ -434,7 +434,7 @@
           <p:cNvPr id="4" name="日期占位符 3">
             <a:extLst>
               <a:ext uri="{FF2B5EF4-FFF2-40B4-BE49-F238E27FC236}">
-                <a16:creationId xmlns:a16="http://schemas.microsoft.com/office/drawing/2014/main" id="{9E8281DD-3CBF-564C-43DA-D71B6710DED3}"/>
+                <a16:creationId xmlns:a16="http://schemas.microsoft.com/office/drawing/2014/main" id="{19D28B47-4262-680B-914C-8BD74D34FDE6}"/>
               </a:ext>
             </a:extLst>
           </p:cNvPr>
@@ -450,7 +450,7 @@
           <a:bodyPr/>
           <a:lstStyle/>
           <a:p>
-            <a:fld id="{2A1CCC0E-342C-421F-8D05-2C7F04C02B5B}" type="datetimeFigureOut">
+            <a:fld id="{ED87AD6A-A062-47B0-8B6D-C0F3EE461C05}" type="datetimeFigureOut">
               <a:rPr lang="zh-CN" altLang="en-US" smtClean="0"/>
               <a:t>2024/3/10</a:t>
             </a:fld>
@@ -463,7 +463,7 @@
           <p:cNvPr id="5" name="页脚占位符 4">
             <a:extLst>
               <a:ext uri="{FF2B5EF4-FFF2-40B4-BE49-F238E27FC236}">
-                <a16:creationId xmlns:a16="http://schemas.microsoft.com/office/drawing/2014/main" id="{3B6354DB-2F1F-0B07-CCF8-32F66ABC6A75}"/>
+                <a16:creationId xmlns:a16="http://schemas.microsoft.com/office/drawing/2014/main" id="{D66F9D63-5879-9635-DA3B-4E7AD3EC6B0E}"/>
               </a:ext>
             </a:extLst>
           </p:cNvPr>
@@ -488,7 +488,7 @@
           <p:cNvPr id="6" name="灯片编号占位符 5">
             <a:extLst>
               <a:ext uri="{FF2B5EF4-FFF2-40B4-BE49-F238E27FC236}">
-                <a16:creationId xmlns:a16="http://schemas.microsoft.com/office/drawing/2014/main" id="{78FD28DE-FD67-D50F-3B78-11235FA5A870}"/>
+                <a16:creationId xmlns:a16="http://schemas.microsoft.com/office/drawing/2014/main" id="{B0F480D3-413C-F78F-93DC-0DD66F4DBC75}"/>
               </a:ext>
             </a:extLst>
           </p:cNvPr>
@@ -504,7 +504,7 @@
           <a:bodyPr/>
           <a:lstStyle/>
           <a:p>
-            <a:fld id="{84162F5B-89FC-4680-A0A1-FB39FC0259C7}" type="slidenum">
+            <a:fld id="{E8192561-7359-4F99-85FF-CBD5FE5D12F3}" type="slidenum">
               <a:rPr lang="zh-CN" altLang="en-US" smtClean="0"/>
               <a:t>‹#›</a:t>
             </a:fld>
@@ -515,7 +515,7 @@
     </p:spTree>
     <p:extLst>
       <p:ext uri="{BB962C8B-B14F-4D97-AF65-F5344CB8AC3E}">
-        <p14:creationId xmlns:p14="http://schemas.microsoft.com/office/powerpoint/2010/main" val="2483457014"/>
+        <p14:creationId xmlns:p14="http://schemas.microsoft.com/office/powerpoint/2010/main" val="2845866283"/>
       </p:ext>
     </p:extLst>
   </p:cSld>
@@ -547,7 +547,7 @@
           <p:cNvPr id="2" name="竖排标题 1">
             <a:extLst>
               <a:ext uri="{FF2B5EF4-FFF2-40B4-BE49-F238E27FC236}">
-                <a16:creationId xmlns:a16="http://schemas.microsoft.com/office/drawing/2014/main" id="{86B29D08-1F64-8939-8058-26175C8CA13A}"/>
+                <a16:creationId xmlns:a16="http://schemas.microsoft.com/office/drawing/2014/main" id="{0EC4689B-E788-7496-6E35-BEA66E39BBC2}"/>
               </a:ext>
             </a:extLst>
           </p:cNvPr>
@@ -580,7 +580,7 @@
           <p:cNvPr id="3" name="竖排文字占位符 2">
             <a:extLst>
               <a:ext uri="{FF2B5EF4-FFF2-40B4-BE49-F238E27FC236}">
-                <a16:creationId xmlns:a16="http://schemas.microsoft.com/office/drawing/2014/main" id="{56F3083F-4BB4-D4BE-C201-44815D59E88E}"/>
+                <a16:creationId xmlns:a16="http://schemas.microsoft.com/office/drawing/2014/main" id="{4DD5430E-28F5-A63D-C4C8-8567C795ACD4}"/>
               </a:ext>
             </a:extLst>
           </p:cNvPr>
@@ -642,7 +642,7 @@
           <p:cNvPr id="4" name="日期占位符 3">
             <a:extLst>
               <a:ext uri="{FF2B5EF4-FFF2-40B4-BE49-F238E27FC236}">
-                <a16:creationId xmlns:a16="http://schemas.microsoft.com/office/drawing/2014/main" id="{C73C0027-A32E-DA44-C7CE-F43E2281DEEE}"/>
+                <a16:creationId xmlns:a16="http://schemas.microsoft.com/office/drawing/2014/main" id="{97AFF4DF-465D-2CB0-4DB3-8842E5B8062C}"/>
               </a:ext>
             </a:extLst>
           </p:cNvPr>
@@ -658,7 +658,7 @@
           <a:bodyPr/>
           <a:lstStyle/>
           <a:p>
-            <a:fld id="{2A1CCC0E-342C-421F-8D05-2C7F04C02B5B}" type="datetimeFigureOut">
+            <a:fld id="{ED87AD6A-A062-47B0-8B6D-C0F3EE461C05}" type="datetimeFigureOut">
               <a:rPr lang="zh-CN" altLang="en-US" smtClean="0"/>
               <a:t>2024/3/10</a:t>
             </a:fld>
@@ -671,7 +671,7 @@
           <p:cNvPr id="5" name="页脚占位符 4">
             <a:extLst>
               <a:ext uri="{FF2B5EF4-FFF2-40B4-BE49-F238E27FC236}">
-                <a16:creationId xmlns:a16="http://schemas.microsoft.com/office/drawing/2014/main" id="{126BF1AC-BBBF-EBAC-61FF-827CC87A428E}"/>
+                <a16:creationId xmlns:a16="http://schemas.microsoft.com/office/drawing/2014/main" id="{307DBC44-2A15-4515-A86F-31012D5E0698}"/>
               </a:ext>
             </a:extLst>
           </p:cNvPr>
@@ -696,7 +696,7 @@
           <p:cNvPr id="6" name="灯片编号占位符 5">
             <a:extLst>
               <a:ext uri="{FF2B5EF4-FFF2-40B4-BE49-F238E27FC236}">
-                <a16:creationId xmlns:a16="http://schemas.microsoft.com/office/drawing/2014/main" id="{9B256C55-C852-9890-D71F-456BE628154A}"/>
+                <a16:creationId xmlns:a16="http://schemas.microsoft.com/office/drawing/2014/main" id="{187F7FAD-E4DC-F254-2D1B-2F1F004173F2}"/>
               </a:ext>
             </a:extLst>
           </p:cNvPr>
@@ -712,7 +712,7 @@
           <a:bodyPr/>
           <a:lstStyle/>
           <a:p>
-            <a:fld id="{84162F5B-89FC-4680-A0A1-FB39FC0259C7}" type="slidenum">
+            <a:fld id="{E8192561-7359-4F99-85FF-CBD5FE5D12F3}" type="slidenum">
               <a:rPr lang="zh-CN" altLang="en-US" smtClean="0"/>
               <a:t>‹#›</a:t>
             </a:fld>
@@ -723,7 +723,7 @@
     </p:spTree>
     <p:extLst>
       <p:ext uri="{BB962C8B-B14F-4D97-AF65-F5344CB8AC3E}">
-        <p14:creationId xmlns:p14="http://schemas.microsoft.com/office/powerpoint/2010/main" val="2490911675"/>
+        <p14:creationId xmlns:p14="http://schemas.microsoft.com/office/powerpoint/2010/main" val="3201675474"/>
       </p:ext>
     </p:extLst>
   </p:cSld>
@@ -755,7 +755,7 @@
           <p:cNvPr id="2" name="标题 1">
             <a:extLst>
               <a:ext uri="{FF2B5EF4-FFF2-40B4-BE49-F238E27FC236}">
-                <a16:creationId xmlns:a16="http://schemas.microsoft.com/office/drawing/2014/main" id="{C39C0E30-3439-BA58-1A6C-D0E8D491D58C}"/>
+                <a16:creationId xmlns:a16="http://schemas.microsoft.com/office/drawing/2014/main" id="{B0BF565E-132C-D273-D01D-10A9C0EDA2B3}"/>
               </a:ext>
             </a:extLst>
           </p:cNvPr>
@@ -783,7 +783,7 @@
           <p:cNvPr id="3" name="内容占位符 2">
             <a:extLst>
               <a:ext uri="{FF2B5EF4-FFF2-40B4-BE49-F238E27FC236}">
-                <a16:creationId xmlns:a16="http://schemas.microsoft.com/office/drawing/2014/main" id="{8C48632B-20D5-BACA-06CE-54E12D85346B}"/>
+                <a16:creationId xmlns:a16="http://schemas.microsoft.com/office/drawing/2014/main" id="{842A355C-B832-E81F-7BB8-D0C646082349}"/>
               </a:ext>
             </a:extLst>
           </p:cNvPr>
@@ -840,7 +840,7 @@
           <p:cNvPr id="4" name="日期占位符 3">
             <a:extLst>
               <a:ext uri="{FF2B5EF4-FFF2-40B4-BE49-F238E27FC236}">
-                <a16:creationId xmlns:a16="http://schemas.microsoft.com/office/drawing/2014/main" id="{C47221EC-00FC-269D-295D-7FD02AB71551}"/>
+                <a16:creationId xmlns:a16="http://schemas.microsoft.com/office/drawing/2014/main" id="{EE4F5548-196E-E092-2AF3-EE014A0A5F19}"/>
               </a:ext>
             </a:extLst>
           </p:cNvPr>
@@ -856,7 +856,7 @@
           <a:bodyPr/>
           <a:lstStyle/>
           <a:p>
-            <a:fld id="{2A1CCC0E-342C-421F-8D05-2C7F04C02B5B}" type="datetimeFigureOut">
+            <a:fld id="{ED87AD6A-A062-47B0-8B6D-C0F3EE461C05}" type="datetimeFigureOut">
               <a:rPr lang="zh-CN" altLang="en-US" smtClean="0"/>
               <a:t>2024/3/10</a:t>
             </a:fld>
@@ -869,7 +869,7 @@
           <p:cNvPr id="5" name="页脚占位符 4">
             <a:extLst>
               <a:ext uri="{FF2B5EF4-FFF2-40B4-BE49-F238E27FC236}">
-                <a16:creationId xmlns:a16="http://schemas.microsoft.com/office/drawing/2014/main" id="{5F29F835-9453-C846-2119-D8490374CD02}"/>
+                <a16:creationId xmlns:a16="http://schemas.microsoft.com/office/drawing/2014/main" id="{7C77BA4C-65FE-69DF-B6A6-132832298EE9}"/>
               </a:ext>
             </a:extLst>
           </p:cNvPr>
@@ -894,7 +894,7 @@
           <p:cNvPr id="6" name="灯片编号占位符 5">
             <a:extLst>
               <a:ext uri="{FF2B5EF4-FFF2-40B4-BE49-F238E27FC236}">
-                <a16:creationId xmlns:a16="http://schemas.microsoft.com/office/drawing/2014/main" id="{7A295F07-FD8E-9798-6C82-EEA8F10ECDD3}"/>
+                <a16:creationId xmlns:a16="http://schemas.microsoft.com/office/drawing/2014/main" id="{B5E26EFE-9D1A-E710-0E8B-5F4D224C2925}"/>
               </a:ext>
             </a:extLst>
           </p:cNvPr>
@@ -910,7 +910,7 @@
           <a:bodyPr/>
           <a:lstStyle/>
           <a:p>
-            <a:fld id="{84162F5B-89FC-4680-A0A1-FB39FC0259C7}" type="slidenum">
+            <a:fld id="{E8192561-7359-4F99-85FF-CBD5FE5D12F3}" type="slidenum">
               <a:rPr lang="zh-CN" altLang="en-US" smtClean="0"/>
               <a:t>‹#›</a:t>
             </a:fld>
@@ -921,7 +921,7 @@
     </p:spTree>
     <p:extLst>
       <p:ext uri="{BB962C8B-B14F-4D97-AF65-F5344CB8AC3E}">
-        <p14:creationId xmlns:p14="http://schemas.microsoft.com/office/powerpoint/2010/main" val="1413548814"/>
+        <p14:creationId xmlns:p14="http://schemas.microsoft.com/office/powerpoint/2010/main" val="2167150211"/>
       </p:ext>
     </p:extLst>
   </p:cSld>
@@ -953,7 +953,7 @@
           <p:cNvPr id="2" name="标题 1">
             <a:extLst>
               <a:ext uri="{FF2B5EF4-FFF2-40B4-BE49-F238E27FC236}">
-                <a16:creationId xmlns:a16="http://schemas.microsoft.com/office/drawing/2014/main" id="{7913A3B3-DED9-A47B-F1E8-765B05BFBEC8}"/>
+                <a16:creationId xmlns:a16="http://schemas.microsoft.com/office/drawing/2014/main" id="{9210746E-A382-4330-3F1C-2F713B2C816A}"/>
               </a:ext>
             </a:extLst>
           </p:cNvPr>
@@ -990,7 +990,7 @@
           <p:cNvPr id="3" name="文本占位符 2">
             <a:extLst>
               <a:ext uri="{FF2B5EF4-FFF2-40B4-BE49-F238E27FC236}">
-                <a16:creationId xmlns:a16="http://schemas.microsoft.com/office/drawing/2014/main" id="{B8512C5C-3D3D-DFAA-FD29-35DDCD0EF58D}"/>
+                <a16:creationId xmlns:a16="http://schemas.microsoft.com/office/drawing/2014/main" id="{00180EA6-0DE9-BF90-FEA9-1AE58EBD923A}"/>
               </a:ext>
             </a:extLst>
           </p:cNvPr>
@@ -1115,7 +1115,7 @@
           <p:cNvPr id="4" name="日期占位符 3">
             <a:extLst>
               <a:ext uri="{FF2B5EF4-FFF2-40B4-BE49-F238E27FC236}">
-                <a16:creationId xmlns:a16="http://schemas.microsoft.com/office/drawing/2014/main" id="{DC980312-2856-C299-8624-0F6CEE7FFE79}"/>
+                <a16:creationId xmlns:a16="http://schemas.microsoft.com/office/drawing/2014/main" id="{FFE346B0-3557-58B2-88BF-A833B30551B2}"/>
               </a:ext>
             </a:extLst>
           </p:cNvPr>
@@ -1131,7 +1131,7 @@
           <a:bodyPr/>
           <a:lstStyle/>
           <a:p>
-            <a:fld id="{2A1CCC0E-342C-421F-8D05-2C7F04C02B5B}" type="datetimeFigureOut">
+            <a:fld id="{ED87AD6A-A062-47B0-8B6D-C0F3EE461C05}" type="datetimeFigureOut">
               <a:rPr lang="zh-CN" altLang="en-US" smtClean="0"/>
               <a:t>2024/3/10</a:t>
             </a:fld>
@@ -1144,7 +1144,7 @@
           <p:cNvPr id="5" name="页脚占位符 4">
             <a:extLst>
               <a:ext uri="{FF2B5EF4-FFF2-40B4-BE49-F238E27FC236}">
-                <a16:creationId xmlns:a16="http://schemas.microsoft.com/office/drawing/2014/main" id="{ACBCF97C-A0D7-3D31-9A8A-AA62C05C34D3}"/>
+                <a16:creationId xmlns:a16="http://schemas.microsoft.com/office/drawing/2014/main" id="{D39543BF-CB72-DB7C-D557-5BBE7D03620C}"/>
               </a:ext>
             </a:extLst>
           </p:cNvPr>
@@ -1169,7 +1169,7 @@
           <p:cNvPr id="6" name="灯片编号占位符 5">
             <a:extLst>
               <a:ext uri="{FF2B5EF4-FFF2-40B4-BE49-F238E27FC236}">
-                <a16:creationId xmlns:a16="http://schemas.microsoft.com/office/drawing/2014/main" id="{4772CFDD-FAD4-67C8-708F-AC7E18125422}"/>
+                <a16:creationId xmlns:a16="http://schemas.microsoft.com/office/drawing/2014/main" id="{8CD93F12-A5E0-8291-EA68-E569FC97DB82}"/>
               </a:ext>
             </a:extLst>
           </p:cNvPr>
@@ -1185,7 +1185,7 @@
           <a:bodyPr/>
           <a:lstStyle/>
           <a:p>
-            <a:fld id="{84162F5B-89FC-4680-A0A1-FB39FC0259C7}" type="slidenum">
+            <a:fld id="{E8192561-7359-4F99-85FF-CBD5FE5D12F3}" type="slidenum">
               <a:rPr lang="zh-CN" altLang="en-US" smtClean="0"/>
               <a:t>‹#›</a:t>
             </a:fld>
@@ -1196,7 +1196,7 @@
     </p:spTree>
     <p:extLst>
       <p:ext uri="{BB962C8B-B14F-4D97-AF65-F5344CB8AC3E}">
-        <p14:creationId xmlns:p14="http://schemas.microsoft.com/office/powerpoint/2010/main" val="3996639612"/>
+        <p14:creationId xmlns:p14="http://schemas.microsoft.com/office/powerpoint/2010/main" val="2382743252"/>
       </p:ext>
     </p:extLst>
   </p:cSld>
@@ -1228,7 +1228,7 @@
           <p:cNvPr id="2" name="标题 1">
             <a:extLst>
               <a:ext uri="{FF2B5EF4-FFF2-40B4-BE49-F238E27FC236}">
-                <a16:creationId xmlns:a16="http://schemas.microsoft.com/office/drawing/2014/main" id="{118D5C78-6508-38F0-31C3-568504338A4A}"/>
+                <a16:creationId xmlns:a16="http://schemas.microsoft.com/office/drawing/2014/main" id="{36D466D0-E4A6-E37C-BC86-37AD8A36758F}"/>
               </a:ext>
             </a:extLst>
           </p:cNvPr>
@@ -1256,7 +1256,7 @@
           <p:cNvPr id="3" name="内容占位符 2">
             <a:extLst>
               <a:ext uri="{FF2B5EF4-FFF2-40B4-BE49-F238E27FC236}">
-                <a16:creationId xmlns:a16="http://schemas.microsoft.com/office/drawing/2014/main" id="{6F0D9537-4946-909F-FE5A-CC3E44624A07}"/>
+                <a16:creationId xmlns:a16="http://schemas.microsoft.com/office/drawing/2014/main" id="{838494E7-5207-87C1-1183-8521FD83DA6E}"/>
               </a:ext>
             </a:extLst>
           </p:cNvPr>
@@ -1318,7 +1318,7 @@
           <p:cNvPr id="4" name="内容占位符 3">
             <a:extLst>
               <a:ext uri="{FF2B5EF4-FFF2-40B4-BE49-F238E27FC236}">
-                <a16:creationId xmlns:a16="http://schemas.microsoft.com/office/drawing/2014/main" id="{FDDCEFAD-246E-6E38-06C1-6D30A9A5FEFC}"/>
+                <a16:creationId xmlns:a16="http://schemas.microsoft.com/office/drawing/2014/main" id="{F2B003C3-8E61-AFF0-9B89-8D66EA503DC8}"/>
               </a:ext>
             </a:extLst>
           </p:cNvPr>
@@ -1380,7 +1380,7 @@
           <p:cNvPr id="5" name="日期占位符 4">
             <a:extLst>
               <a:ext uri="{FF2B5EF4-FFF2-40B4-BE49-F238E27FC236}">
-                <a16:creationId xmlns:a16="http://schemas.microsoft.com/office/drawing/2014/main" id="{77D2E9BD-A019-657E-1BE0-25C86E092486}"/>
+                <a16:creationId xmlns:a16="http://schemas.microsoft.com/office/drawing/2014/main" id="{6C85222D-D667-5ABD-80CA-EC18FA7A9843}"/>
               </a:ext>
             </a:extLst>
           </p:cNvPr>
@@ -1396,7 +1396,7 @@
           <a:bodyPr/>
           <a:lstStyle/>
           <a:p>
-            <a:fld id="{2A1CCC0E-342C-421F-8D05-2C7F04C02B5B}" type="datetimeFigureOut">
+            <a:fld id="{ED87AD6A-A062-47B0-8B6D-C0F3EE461C05}" type="datetimeFigureOut">
               <a:rPr lang="zh-CN" altLang="en-US" smtClean="0"/>
               <a:t>2024/3/10</a:t>
             </a:fld>
@@ -1409,7 +1409,7 @@
           <p:cNvPr id="6" name="页脚占位符 5">
             <a:extLst>
               <a:ext uri="{FF2B5EF4-FFF2-40B4-BE49-F238E27FC236}">
-                <a16:creationId xmlns:a16="http://schemas.microsoft.com/office/drawing/2014/main" id="{12F860B8-324F-D6BC-9E13-69B1FDDD2056}"/>
+                <a16:creationId xmlns:a16="http://schemas.microsoft.com/office/drawing/2014/main" id="{FB4F8BC2-2058-F20E-DA91-F1FDD71CFC35}"/>
               </a:ext>
             </a:extLst>
           </p:cNvPr>
@@ -1434,7 +1434,7 @@
           <p:cNvPr id="7" name="灯片编号占位符 6">
             <a:extLst>
               <a:ext uri="{FF2B5EF4-FFF2-40B4-BE49-F238E27FC236}">
-                <a16:creationId xmlns:a16="http://schemas.microsoft.com/office/drawing/2014/main" id="{84CB92E3-9B86-D681-5918-D92C742EDD43}"/>
+                <a16:creationId xmlns:a16="http://schemas.microsoft.com/office/drawing/2014/main" id="{1E55D15E-D370-8D7B-D0F4-1C1A1544AD9F}"/>
               </a:ext>
             </a:extLst>
           </p:cNvPr>
@@ -1450,7 +1450,7 @@
           <a:bodyPr/>
           <a:lstStyle/>
           <a:p>
-            <a:fld id="{84162F5B-89FC-4680-A0A1-FB39FC0259C7}" type="slidenum">
+            <a:fld id="{E8192561-7359-4F99-85FF-CBD5FE5D12F3}" type="slidenum">
               <a:rPr lang="zh-CN" altLang="en-US" smtClean="0"/>
               <a:t>‹#›</a:t>
             </a:fld>
@@ -1461,7 +1461,7 @@
     </p:spTree>
     <p:extLst>
       <p:ext uri="{BB962C8B-B14F-4D97-AF65-F5344CB8AC3E}">
-        <p14:creationId xmlns:p14="http://schemas.microsoft.com/office/powerpoint/2010/main" val="3589533712"/>
+        <p14:creationId xmlns:p14="http://schemas.microsoft.com/office/powerpoint/2010/main" val="2992418350"/>
       </p:ext>
     </p:extLst>
   </p:cSld>
@@ -1493,7 +1493,7 @@
           <p:cNvPr id="2" name="标题 1">
             <a:extLst>
               <a:ext uri="{FF2B5EF4-FFF2-40B4-BE49-F238E27FC236}">
-                <a16:creationId xmlns:a16="http://schemas.microsoft.com/office/drawing/2014/main" id="{76BF5864-7791-9F57-F344-3EA36CE20F16}"/>
+                <a16:creationId xmlns:a16="http://schemas.microsoft.com/office/drawing/2014/main" id="{546404DA-7082-5A2E-D8A2-9B2B7C1C7449}"/>
               </a:ext>
             </a:extLst>
           </p:cNvPr>
@@ -1526,7 +1526,7 @@
           <p:cNvPr id="3" name="文本占位符 2">
             <a:extLst>
               <a:ext uri="{FF2B5EF4-FFF2-40B4-BE49-F238E27FC236}">
-                <a16:creationId xmlns:a16="http://schemas.microsoft.com/office/drawing/2014/main" id="{50CEB5FF-8E46-1F1F-5A9B-3BDC23207234}"/>
+                <a16:creationId xmlns:a16="http://schemas.microsoft.com/office/drawing/2014/main" id="{5C5B97B5-43FA-A901-5FB4-7D27A4FDF1DB}"/>
               </a:ext>
             </a:extLst>
           </p:cNvPr>
@@ -1597,7 +1597,7 @@
           <p:cNvPr id="4" name="内容占位符 3">
             <a:extLst>
               <a:ext uri="{FF2B5EF4-FFF2-40B4-BE49-F238E27FC236}">
-                <a16:creationId xmlns:a16="http://schemas.microsoft.com/office/drawing/2014/main" id="{235EB71B-1386-8ED0-3438-523F410F0425}"/>
+                <a16:creationId xmlns:a16="http://schemas.microsoft.com/office/drawing/2014/main" id="{4D5C0E65-38D5-A258-A432-2AB45B91727E}"/>
               </a:ext>
             </a:extLst>
           </p:cNvPr>
@@ -1659,7 +1659,7 @@
           <p:cNvPr id="5" name="文本占位符 4">
             <a:extLst>
               <a:ext uri="{FF2B5EF4-FFF2-40B4-BE49-F238E27FC236}">
-                <a16:creationId xmlns:a16="http://schemas.microsoft.com/office/drawing/2014/main" id="{A68AB859-458C-3AC9-4264-FDF54616F767}"/>
+                <a16:creationId xmlns:a16="http://schemas.microsoft.com/office/drawing/2014/main" id="{9E353A4C-70A1-A165-E67E-6D3C2D6E4878}"/>
               </a:ext>
             </a:extLst>
           </p:cNvPr>
@@ -1730,7 +1730,7 @@
           <p:cNvPr id="6" name="内容占位符 5">
             <a:extLst>
               <a:ext uri="{FF2B5EF4-FFF2-40B4-BE49-F238E27FC236}">
-                <a16:creationId xmlns:a16="http://schemas.microsoft.com/office/drawing/2014/main" id="{9F2953B3-F04D-5224-9075-60E09BF71F95}"/>
+                <a16:creationId xmlns:a16="http://schemas.microsoft.com/office/drawing/2014/main" id="{B2F6547E-F532-CB6D-3D58-8575E3BFBCC3}"/>
               </a:ext>
             </a:extLst>
           </p:cNvPr>
@@ -1792,7 +1792,7 @@
           <p:cNvPr id="7" name="日期占位符 6">
             <a:extLst>
               <a:ext uri="{FF2B5EF4-FFF2-40B4-BE49-F238E27FC236}">
-                <a16:creationId xmlns:a16="http://schemas.microsoft.com/office/drawing/2014/main" id="{5E73D9DF-0245-66CF-063B-666CAF5F6930}"/>
+                <a16:creationId xmlns:a16="http://schemas.microsoft.com/office/drawing/2014/main" id="{9EE87E2E-3DA1-34DC-36E1-2BC7B9734929}"/>
               </a:ext>
             </a:extLst>
           </p:cNvPr>
@@ -1808,7 +1808,7 @@
           <a:bodyPr/>
           <a:lstStyle/>
           <a:p>
-            <a:fld id="{2A1CCC0E-342C-421F-8D05-2C7F04C02B5B}" type="datetimeFigureOut">
+            <a:fld id="{ED87AD6A-A062-47B0-8B6D-C0F3EE461C05}" type="datetimeFigureOut">
               <a:rPr lang="zh-CN" altLang="en-US" smtClean="0"/>
               <a:t>2024/3/10</a:t>
             </a:fld>
@@ -1821,7 +1821,7 @@
           <p:cNvPr id="8" name="页脚占位符 7">
             <a:extLst>
               <a:ext uri="{FF2B5EF4-FFF2-40B4-BE49-F238E27FC236}">
-                <a16:creationId xmlns:a16="http://schemas.microsoft.com/office/drawing/2014/main" id="{0B42DA52-6B77-4960-517C-312EEFD6FE8E}"/>
+                <a16:creationId xmlns:a16="http://schemas.microsoft.com/office/drawing/2014/main" id="{6E1BABCA-5E1F-93F3-FA01-DB68F2CA95D1}"/>
               </a:ext>
             </a:extLst>
           </p:cNvPr>
@@ -1846,7 +1846,7 @@
           <p:cNvPr id="9" name="灯片编号占位符 8">
             <a:extLst>
               <a:ext uri="{FF2B5EF4-FFF2-40B4-BE49-F238E27FC236}">
-                <a16:creationId xmlns:a16="http://schemas.microsoft.com/office/drawing/2014/main" id="{49843B30-0B2A-6817-B86A-B5ECD6CCB924}"/>
+                <a16:creationId xmlns:a16="http://schemas.microsoft.com/office/drawing/2014/main" id="{D6EA489D-AA70-E3AA-1871-42EC8F6F48CF}"/>
               </a:ext>
             </a:extLst>
           </p:cNvPr>
@@ -1862,7 +1862,7 @@
           <a:bodyPr/>
           <a:lstStyle/>
           <a:p>
-            <a:fld id="{84162F5B-89FC-4680-A0A1-FB39FC0259C7}" type="slidenum">
+            <a:fld id="{E8192561-7359-4F99-85FF-CBD5FE5D12F3}" type="slidenum">
               <a:rPr lang="zh-CN" altLang="en-US" smtClean="0"/>
               <a:t>‹#›</a:t>
             </a:fld>
@@ -1873,7 +1873,7 @@
     </p:spTree>
     <p:extLst>
       <p:ext uri="{BB962C8B-B14F-4D97-AF65-F5344CB8AC3E}">
-        <p14:creationId xmlns:p14="http://schemas.microsoft.com/office/powerpoint/2010/main" val="3738573035"/>
+        <p14:creationId xmlns:p14="http://schemas.microsoft.com/office/powerpoint/2010/main" val="2314693818"/>
       </p:ext>
     </p:extLst>
   </p:cSld>
@@ -1905,7 +1905,7 @@
           <p:cNvPr id="2" name="标题 1">
             <a:extLst>
               <a:ext uri="{FF2B5EF4-FFF2-40B4-BE49-F238E27FC236}">
-                <a16:creationId xmlns:a16="http://schemas.microsoft.com/office/drawing/2014/main" id="{5BCD152B-469D-4677-3C46-6A4B36190A28}"/>
+                <a16:creationId xmlns:a16="http://schemas.microsoft.com/office/drawing/2014/main" id="{80EC0F48-3FB5-D0BE-93D8-A226D39D63D7}"/>
               </a:ext>
             </a:extLst>
           </p:cNvPr>
@@ -1933,7 +1933,7 @@
           <p:cNvPr id="3" name="日期占位符 2">
             <a:extLst>
               <a:ext uri="{FF2B5EF4-FFF2-40B4-BE49-F238E27FC236}">
-                <a16:creationId xmlns:a16="http://schemas.microsoft.com/office/drawing/2014/main" id="{DD8F35B1-B97A-07DF-7650-2EF8F7E65931}"/>
+                <a16:creationId xmlns:a16="http://schemas.microsoft.com/office/drawing/2014/main" id="{2FBD6D93-5C91-77F4-2CD0-638C44201956}"/>
               </a:ext>
             </a:extLst>
           </p:cNvPr>
@@ -1949,7 +1949,7 @@
           <a:bodyPr/>
           <a:lstStyle/>
           <a:p>
-            <a:fld id="{2A1CCC0E-342C-421F-8D05-2C7F04C02B5B}" type="datetimeFigureOut">
+            <a:fld id="{ED87AD6A-A062-47B0-8B6D-C0F3EE461C05}" type="datetimeFigureOut">
               <a:rPr lang="zh-CN" altLang="en-US" smtClean="0"/>
               <a:t>2024/3/10</a:t>
             </a:fld>
@@ -1962,7 +1962,7 @@
           <p:cNvPr id="4" name="页脚占位符 3">
             <a:extLst>
               <a:ext uri="{FF2B5EF4-FFF2-40B4-BE49-F238E27FC236}">
-                <a16:creationId xmlns:a16="http://schemas.microsoft.com/office/drawing/2014/main" id="{2F1390D0-7726-8079-02BB-83F61CA2B5AB}"/>
+                <a16:creationId xmlns:a16="http://schemas.microsoft.com/office/drawing/2014/main" id="{21B3C160-98C1-FE68-6298-2642A778C9BF}"/>
               </a:ext>
             </a:extLst>
           </p:cNvPr>
@@ -1987,7 +1987,7 @@
           <p:cNvPr id="5" name="灯片编号占位符 4">
             <a:extLst>
               <a:ext uri="{FF2B5EF4-FFF2-40B4-BE49-F238E27FC236}">
-                <a16:creationId xmlns:a16="http://schemas.microsoft.com/office/drawing/2014/main" id="{9EFA1307-1F04-003E-19A5-BEDD12C00F27}"/>
+                <a16:creationId xmlns:a16="http://schemas.microsoft.com/office/drawing/2014/main" id="{CF0E4459-72EC-BB58-AF57-D92916930A4F}"/>
               </a:ext>
             </a:extLst>
           </p:cNvPr>
@@ -2003,7 +2003,7 @@
           <a:bodyPr/>
           <a:lstStyle/>
           <a:p>
-            <a:fld id="{84162F5B-89FC-4680-A0A1-FB39FC0259C7}" type="slidenum">
+            <a:fld id="{E8192561-7359-4F99-85FF-CBD5FE5D12F3}" type="slidenum">
               <a:rPr lang="zh-CN" altLang="en-US" smtClean="0"/>
               <a:t>‹#›</a:t>
             </a:fld>
@@ -2014,7 +2014,7 @@
     </p:spTree>
     <p:extLst>
       <p:ext uri="{BB962C8B-B14F-4D97-AF65-F5344CB8AC3E}">
-        <p14:creationId xmlns:p14="http://schemas.microsoft.com/office/powerpoint/2010/main" val="1396147345"/>
+        <p14:creationId xmlns:p14="http://schemas.microsoft.com/office/powerpoint/2010/main" val="667050748"/>
       </p:ext>
     </p:extLst>
   </p:cSld>
@@ -2046,7 +2046,7 @@
           <p:cNvPr id="2" name="日期占位符 1">
             <a:extLst>
               <a:ext uri="{FF2B5EF4-FFF2-40B4-BE49-F238E27FC236}">
-                <a16:creationId xmlns:a16="http://schemas.microsoft.com/office/drawing/2014/main" id="{B4ECE009-A8B0-418D-3091-7B1F9B8B39AB}"/>
+                <a16:creationId xmlns:a16="http://schemas.microsoft.com/office/drawing/2014/main" id="{07643733-F6A8-9EFF-A0BB-0E96103B2BEF}"/>
               </a:ext>
             </a:extLst>
           </p:cNvPr>
@@ -2062,7 +2062,7 @@
           <a:bodyPr/>
           <a:lstStyle/>
           <a:p>
-            <a:fld id="{2A1CCC0E-342C-421F-8D05-2C7F04C02B5B}" type="datetimeFigureOut">
+            <a:fld id="{ED87AD6A-A062-47B0-8B6D-C0F3EE461C05}" type="datetimeFigureOut">
               <a:rPr lang="zh-CN" altLang="en-US" smtClean="0"/>
               <a:t>2024/3/10</a:t>
             </a:fld>
@@ -2075,7 +2075,7 @@
           <p:cNvPr id="3" name="页脚占位符 2">
             <a:extLst>
               <a:ext uri="{FF2B5EF4-FFF2-40B4-BE49-F238E27FC236}">
-                <a16:creationId xmlns:a16="http://schemas.microsoft.com/office/drawing/2014/main" id="{668BF3FD-CAFD-4EE4-8F2B-933DFBC31351}"/>
+                <a16:creationId xmlns:a16="http://schemas.microsoft.com/office/drawing/2014/main" id="{E6B29D14-D725-7EA4-A643-8E62B81B84A3}"/>
               </a:ext>
             </a:extLst>
           </p:cNvPr>
@@ -2100,7 +2100,7 @@
           <p:cNvPr id="4" name="灯片编号占位符 3">
             <a:extLst>
               <a:ext uri="{FF2B5EF4-FFF2-40B4-BE49-F238E27FC236}">
-                <a16:creationId xmlns:a16="http://schemas.microsoft.com/office/drawing/2014/main" id="{BE9C2F12-0388-3B56-D658-811F2D3E6CD6}"/>
+                <a16:creationId xmlns:a16="http://schemas.microsoft.com/office/drawing/2014/main" id="{604657C4-FD55-83BF-9DBF-6C7684A60A6E}"/>
               </a:ext>
             </a:extLst>
           </p:cNvPr>
@@ -2116,7 +2116,7 @@
           <a:bodyPr/>
           <a:lstStyle/>
           <a:p>
-            <a:fld id="{84162F5B-89FC-4680-A0A1-FB39FC0259C7}" type="slidenum">
+            <a:fld id="{E8192561-7359-4F99-85FF-CBD5FE5D12F3}" type="slidenum">
               <a:rPr lang="zh-CN" altLang="en-US" smtClean="0"/>
               <a:t>‹#›</a:t>
             </a:fld>
@@ -2127,7 +2127,7 @@
     </p:spTree>
     <p:extLst>
       <p:ext uri="{BB962C8B-B14F-4D97-AF65-F5344CB8AC3E}">
-        <p14:creationId xmlns:p14="http://schemas.microsoft.com/office/powerpoint/2010/main" val="659110230"/>
+        <p14:creationId xmlns:p14="http://schemas.microsoft.com/office/powerpoint/2010/main" val="3467546028"/>
       </p:ext>
     </p:extLst>
   </p:cSld>
@@ -2159,7 +2159,7 @@
           <p:cNvPr id="2" name="标题 1">
             <a:extLst>
               <a:ext uri="{FF2B5EF4-FFF2-40B4-BE49-F238E27FC236}">
-                <a16:creationId xmlns:a16="http://schemas.microsoft.com/office/drawing/2014/main" id="{1E3CCBEF-805C-444C-6F5D-F7DA808C9BB0}"/>
+                <a16:creationId xmlns:a16="http://schemas.microsoft.com/office/drawing/2014/main" id="{4F58E4B8-FAB2-A838-3725-39F9E2085D8A}"/>
               </a:ext>
             </a:extLst>
           </p:cNvPr>
@@ -2196,7 +2196,7 @@
           <p:cNvPr id="3" name="内容占位符 2">
             <a:extLst>
               <a:ext uri="{FF2B5EF4-FFF2-40B4-BE49-F238E27FC236}">
-                <a16:creationId xmlns:a16="http://schemas.microsoft.com/office/drawing/2014/main" id="{0B568711-DC6F-B96E-8877-D6A9573232EA}"/>
+                <a16:creationId xmlns:a16="http://schemas.microsoft.com/office/drawing/2014/main" id="{BE37CE55-325D-8188-1BCF-DFD7DE0435D1}"/>
               </a:ext>
             </a:extLst>
           </p:cNvPr>
@@ -2286,7 +2286,7 @@
           <p:cNvPr id="4" name="文本占位符 3">
             <a:extLst>
               <a:ext uri="{FF2B5EF4-FFF2-40B4-BE49-F238E27FC236}">
-                <a16:creationId xmlns:a16="http://schemas.microsoft.com/office/drawing/2014/main" id="{60F2C59E-6B8E-FDDB-D049-C905441D3E60}"/>
+                <a16:creationId xmlns:a16="http://schemas.microsoft.com/office/drawing/2014/main" id="{5A630FE2-0723-7441-A2BA-A730938EEBAC}"/>
               </a:ext>
             </a:extLst>
           </p:cNvPr>
@@ -2357,7 +2357,7 @@
           <p:cNvPr id="5" name="日期占位符 4">
             <a:extLst>
               <a:ext uri="{FF2B5EF4-FFF2-40B4-BE49-F238E27FC236}">
-                <a16:creationId xmlns:a16="http://schemas.microsoft.com/office/drawing/2014/main" id="{D2D8E594-CA9B-3D1C-FA3D-4A3740DEA6A5}"/>
+                <a16:creationId xmlns:a16="http://schemas.microsoft.com/office/drawing/2014/main" id="{4A3C566A-07E9-B64E-0E0B-1BC6A897DE97}"/>
               </a:ext>
             </a:extLst>
           </p:cNvPr>
@@ -2373,7 +2373,7 @@
           <a:bodyPr/>
           <a:lstStyle/>
           <a:p>
-            <a:fld id="{2A1CCC0E-342C-421F-8D05-2C7F04C02B5B}" type="datetimeFigureOut">
+            <a:fld id="{ED87AD6A-A062-47B0-8B6D-C0F3EE461C05}" type="datetimeFigureOut">
               <a:rPr lang="zh-CN" altLang="en-US" smtClean="0"/>
               <a:t>2024/3/10</a:t>
             </a:fld>
@@ -2386,7 +2386,7 @@
           <p:cNvPr id="6" name="页脚占位符 5">
             <a:extLst>
               <a:ext uri="{FF2B5EF4-FFF2-40B4-BE49-F238E27FC236}">
-                <a16:creationId xmlns:a16="http://schemas.microsoft.com/office/drawing/2014/main" id="{055F67FC-6017-92AE-9E03-6202128F168E}"/>
+                <a16:creationId xmlns:a16="http://schemas.microsoft.com/office/drawing/2014/main" id="{D5747FAE-900C-02B2-5D0A-25043C598BAE}"/>
               </a:ext>
             </a:extLst>
           </p:cNvPr>
@@ -2411,7 +2411,7 @@
           <p:cNvPr id="7" name="灯片编号占位符 6">
             <a:extLst>
               <a:ext uri="{FF2B5EF4-FFF2-40B4-BE49-F238E27FC236}">
-                <a16:creationId xmlns:a16="http://schemas.microsoft.com/office/drawing/2014/main" id="{747D223A-C946-7A0A-EEE7-A7D3750FA295}"/>
+                <a16:creationId xmlns:a16="http://schemas.microsoft.com/office/drawing/2014/main" id="{1D5ED2B8-F371-421F-7CD0-BBFFF81F6DC5}"/>
               </a:ext>
             </a:extLst>
           </p:cNvPr>
@@ -2427,7 +2427,7 @@
           <a:bodyPr/>
           <a:lstStyle/>
           <a:p>
-            <a:fld id="{84162F5B-89FC-4680-A0A1-FB39FC0259C7}" type="slidenum">
+            <a:fld id="{E8192561-7359-4F99-85FF-CBD5FE5D12F3}" type="slidenum">
               <a:rPr lang="zh-CN" altLang="en-US" smtClean="0"/>
               <a:t>‹#›</a:t>
             </a:fld>
@@ -2438,7 +2438,7 @@
     </p:spTree>
     <p:extLst>
       <p:ext uri="{BB962C8B-B14F-4D97-AF65-F5344CB8AC3E}">
-        <p14:creationId xmlns:p14="http://schemas.microsoft.com/office/powerpoint/2010/main" val="1176950357"/>
+        <p14:creationId xmlns:p14="http://schemas.microsoft.com/office/powerpoint/2010/main" val="2244639523"/>
       </p:ext>
     </p:extLst>
   </p:cSld>
@@ -2470,7 +2470,7 @@
           <p:cNvPr id="2" name="标题 1">
             <a:extLst>
               <a:ext uri="{FF2B5EF4-FFF2-40B4-BE49-F238E27FC236}">
-                <a16:creationId xmlns:a16="http://schemas.microsoft.com/office/drawing/2014/main" id="{278D76FE-4772-F519-A72A-1C27FC01D664}"/>
+                <a16:creationId xmlns:a16="http://schemas.microsoft.com/office/drawing/2014/main" id="{BA0302CC-55B2-FFB5-A154-F35D4674A421}"/>
               </a:ext>
             </a:extLst>
           </p:cNvPr>
@@ -2507,7 +2507,7 @@
           <p:cNvPr id="3" name="图片占位符 2">
             <a:extLst>
               <a:ext uri="{FF2B5EF4-FFF2-40B4-BE49-F238E27FC236}">
-                <a16:creationId xmlns:a16="http://schemas.microsoft.com/office/drawing/2014/main" id="{46A8D354-E56A-1C72-D8E5-26B02D7687CA}"/>
+                <a16:creationId xmlns:a16="http://schemas.microsoft.com/office/drawing/2014/main" id="{19859BD8-7CA4-3FC2-4AD7-0BE4EDDD9846}"/>
               </a:ext>
             </a:extLst>
           </p:cNvPr>
@@ -2574,7 +2574,7 @@
           <p:cNvPr id="4" name="文本占位符 3">
             <a:extLst>
               <a:ext uri="{FF2B5EF4-FFF2-40B4-BE49-F238E27FC236}">
-                <a16:creationId xmlns:a16="http://schemas.microsoft.com/office/drawing/2014/main" id="{D50C0D37-8158-3F87-0B18-F1E92F03BA73}"/>
+                <a16:creationId xmlns:a16="http://schemas.microsoft.com/office/drawing/2014/main" id="{3ACAD851-5B2A-8C67-E31C-66C628E553DF}"/>
               </a:ext>
             </a:extLst>
           </p:cNvPr>
@@ -2645,7 +2645,7 @@
           <p:cNvPr id="5" name="日期占位符 4">
             <a:extLst>
               <a:ext uri="{FF2B5EF4-FFF2-40B4-BE49-F238E27FC236}">
-                <a16:creationId xmlns:a16="http://schemas.microsoft.com/office/drawing/2014/main" id="{46D00041-3A0F-D158-C365-89D6CD7A6792}"/>
+                <a16:creationId xmlns:a16="http://schemas.microsoft.com/office/drawing/2014/main" id="{5404242A-574B-86A0-F0FB-49080EC52890}"/>
               </a:ext>
             </a:extLst>
           </p:cNvPr>
@@ -2661,7 +2661,7 @@
           <a:bodyPr/>
           <a:lstStyle/>
           <a:p>
-            <a:fld id="{2A1CCC0E-342C-421F-8D05-2C7F04C02B5B}" type="datetimeFigureOut">
+            <a:fld id="{ED87AD6A-A062-47B0-8B6D-C0F3EE461C05}" type="datetimeFigureOut">
               <a:rPr lang="zh-CN" altLang="en-US" smtClean="0"/>
               <a:t>2024/3/10</a:t>
             </a:fld>
@@ -2674,7 +2674,7 @@
           <p:cNvPr id="6" name="页脚占位符 5">
             <a:extLst>
               <a:ext uri="{FF2B5EF4-FFF2-40B4-BE49-F238E27FC236}">
-                <a16:creationId xmlns:a16="http://schemas.microsoft.com/office/drawing/2014/main" id="{FE7518D7-24F4-AEE5-D158-3FEEBEAA3742}"/>
+                <a16:creationId xmlns:a16="http://schemas.microsoft.com/office/drawing/2014/main" id="{4CF5ABF0-099B-B6ED-43B6-DAB9134C666B}"/>
               </a:ext>
             </a:extLst>
           </p:cNvPr>
@@ -2699,7 +2699,7 @@
           <p:cNvPr id="7" name="灯片编号占位符 6">
             <a:extLst>
               <a:ext uri="{FF2B5EF4-FFF2-40B4-BE49-F238E27FC236}">
-                <a16:creationId xmlns:a16="http://schemas.microsoft.com/office/drawing/2014/main" id="{50A2584A-7F75-D995-CE6E-2274B594FFF3}"/>
+                <a16:creationId xmlns:a16="http://schemas.microsoft.com/office/drawing/2014/main" id="{03CA16AB-CB36-32DE-BE2A-D140AD27005F}"/>
               </a:ext>
             </a:extLst>
           </p:cNvPr>
@@ -2715,7 +2715,7 @@
           <a:bodyPr/>
           <a:lstStyle/>
           <a:p>
-            <a:fld id="{84162F5B-89FC-4680-A0A1-FB39FC0259C7}" type="slidenum">
+            <a:fld id="{E8192561-7359-4F99-85FF-CBD5FE5D12F3}" type="slidenum">
               <a:rPr lang="zh-CN" altLang="en-US" smtClean="0"/>
               <a:t>‹#›</a:t>
             </a:fld>
@@ -2726,7 +2726,7 @@
     </p:spTree>
     <p:extLst>
       <p:ext uri="{BB962C8B-B14F-4D97-AF65-F5344CB8AC3E}">
-        <p14:creationId xmlns:p14="http://schemas.microsoft.com/office/powerpoint/2010/main" val="2431924540"/>
+        <p14:creationId xmlns:p14="http://schemas.microsoft.com/office/powerpoint/2010/main" val="4112594301"/>
       </p:ext>
     </p:extLst>
   </p:cSld>
@@ -2763,7 +2763,7 @@
           <p:cNvPr id="2" name="标题占位符 1">
             <a:extLst>
               <a:ext uri="{FF2B5EF4-FFF2-40B4-BE49-F238E27FC236}">
-                <a16:creationId xmlns:a16="http://schemas.microsoft.com/office/drawing/2014/main" id="{E3B8972B-8A62-027A-EDAC-E83D05FA7314}"/>
+                <a16:creationId xmlns:a16="http://schemas.microsoft.com/office/drawing/2014/main" id="{DE40316A-DFC7-B8B3-7A88-3CBE1AD7373B}"/>
               </a:ext>
             </a:extLst>
           </p:cNvPr>
@@ -2801,7 +2801,7 @@
           <p:cNvPr id="3" name="文本占位符 2">
             <a:extLst>
               <a:ext uri="{FF2B5EF4-FFF2-40B4-BE49-F238E27FC236}">
-                <a16:creationId xmlns:a16="http://schemas.microsoft.com/office/drawing/2014/main" id="{D613A7A7-5605-0AAB-56FB-159D37A35F9C}"/>
+                <a16:creationId xmlns:a16="http://schemas.microsoft.com/office/drawing/2014/main" id="{04202FF6-BFF5-F1CA-A3B3-EEBC6C233DB2}"/>
               </a:ext>
             </a:extLst>
           </p:cNvPr>
@@ -2868,7 +2868,7 @@
           <p:cNvPr id="4" name="日期占位符 3">
             <a:extLst>
               <a:ext uri="{FF2B5EF4-FFF2-40B4-BE49-F238E27FC236}">
-                <a16:creationId xmlns:a16="http://schemas.microsoft.com/office/drawing/2014/main" id="{0D14FC6D-E368-3988-4EB7-07074F4D1BD0}"/>
+                <a16:creationId xmlns:a16="http://schemas.microsoft.com/office/drawing/2014/main" id="{A2D5ACCB-439A-2B33-D571-4C47FDA97000}"/>
               </a:ext>
             </a:extLst>
           </p:cNvPr>
@@ -2902,7 +2902,7 @@
             </a:lvl1pPr>
           </a:lstStyle>
           <a:p>
-            <a:fld id="{2A1CCC0E-342C-421F-8D05-2C7F04C02B5B}" type="datetimeFigureOut">
+            <a:fld id="{ED87AD6A-A062-47B0-8B6D-C0F3EE461C05}" type="datetimeFigureOut">
               <a:rPr lang="zh-CN" altLang="en-US" smtClean="0"/>
               <a:t>2024/3/10</a:t>
             </a:fld>
@@ -2915,7 +2915,7 @@
           <p:cNvPr id="5" name="页脚占位符 4">
             <a:extLst>
               <a:ext uri="{FF2B5EF4-FFF2-40B4-BE49-F238E27FC236}">
-                <a16:creationId xmlns:a16="http://schemas.microsoft.com/office/drawing/2014/main" id="{99648B11-2084-6B7D-86BE-07FE1C15194C}"/>
+                <a16:creationId xmlns:a16="http://schemas.microsoft.com/office/drawing/2014/main" id="{FC38CB68-C7A4-1007-2F4D-3675A8C954A4}"/>
               </a:ext>
             </a:extLst>
           </p:cNvPr>
@@ -2958,7 +2958,7 @@
           <p:cNvPr id="6" name="灯片编号占位符 5">
             <a:extLst>
               <a:ext uri="{FF2B5EF4-FFF2-40B4-BE49-F238E27FC236}">
-                <a16:creationId xmlns:a16="http://schemas.microsoft.com/office/drawing/2014/main" id="{B4A58B04-6E36-4195-7F1C-1FE0F9D0F363}"/>
+                <a16:creationId xmlns:a16="http://schemas.microsoft.com/office/drawing/2014/main" id="{D08C8623-956E-10A9-85BC-1FA59182712F}"/>
               </a:ext>
             </a:extLst>
           </p:cNvPr>
@@ -2992,7 +2992,7 @@
             </a:lvl1pPr>
           </a:lstStyle>
           <a:p>
-            <a:fld id="{84162F5B-89FC-4680-A0A1-FB39FC0259C7}" type="slidenum">
+            <a:fld id="{E8192561-7359-4F99-85FF-CBD5FE5D12F3}" type="slidenum">
               <a:rPr lang="zh-CN" altLang="en-US" smtClean="0"/>
               <a:t>‹#›</a:t>
             </a:fld>
@@ -3003,7 +3003,7 @@
     </p:spTree>
     <p:extLst>
       <p:ext uri="{BB962C8B-B14F-4D97-AF65-F5344CB8AC3E}">
-        <p14:creationId xmlns:p14="http://schemas.microsoft.com/office/powerpoint/2010/main" val="1128740108"/>
+        <p14:creationId xmlns:p14="http://schemas.microsoft.com/office/powerpoint/2010/main" val="2963374567"/>
       </p:ext>
     </p:extLst>
   </p:cSld>
